--- a/Documents/Flowchart 052020.pptx
+++ b/Documents/Flowchart 052020.pptx
@@ -2,12 +2,12 @@
 <file path=ppt/presentation.xml><?xml version="1.0" encoding="utf-8"?>
 <p:presentation xmlns:a="http://schemas.openxmlformats.org/drawingml/2006/main" xmlns:r="http://schemas.openxmlformats.org/officeDocument/2006/relationships" xmlns:p="http://schemas.openxmlformats.org/presentationml/2006/main" saveSubsetFonts="1">
   <p:sldMasterIdLst>
-    <p:sldMasterId id="2147483660" r:id="rId1"/>
+    <p:sldMasterId id="2147483684" r:id="rId1"/>
   </p:sldMasterIdLst>
   <p:sldIdLst>
     <p:sldId id="256" r:id="rId2"/>
   </p:sldIdLst>
-  <p:sldSz cx="6858000" cy="12192000"/>
+  <p:sldSz cx="6858000" cy="6400800"/>
   <p:notesSz cx="6858000" cy="9144000"/>
   <p:defaultTextStyle>
     <a:defPPr>
@@ -107,7 +107,7 @@
   <p:extLst>
     <p:ext uri="{EFAFB233-063F-42B5-8137-9DF3F51BA10A}">
       <p15:sldGuideLst xmlns:p15="http://schemas.microsoft.com/office/powerpoint/2012/main">
-        <p15:guide id="1" orient="horz" pos="3840" userDrawn="1">
+        <p15:guide id="1" orient="horz" pos="2016" userDrawn="1">
           <p15:clr>
             <a:srgbClr val="A4A3A4"/>
           </p15:clr>
@@ -152,8 +152,8 @@
         </p:nvSpPr>
         <p:spPr>
           <a:xfrm>
-            <a:off x="514350" y="1995312"/>
-            <a:ext cx="5829300" cy="4244622"/>
+            <a:off x="514350" y="1047539"/>
+            <a:ext cx="5829300" cy="2228427"/>
           </a:xfrm>
         </p:spPr>
         <p:txBody>
@@ -184,8 +184,8 @@
         </p:nvSpPr>
         <p:spPr>
           <a:xfrm>
-            <a:off x="857250" y="6403623"/>
-            <a:ext cx="5143500" cy="2943577"/>
+            <a:off x="857250" y="3361902"/>
+            <a:ext cx="5143500" cy="1545378"/>
           </a:xfrm>
         </p:spPr>
         <p:txBody>
@@ -254,7 +254,7 @@
           <a:p>
             <a:fld id="{42F1B69B-8D3A-44C3-946A-BB0D05283811}" type="datetimeFigureOut">
               <a:rPr lang="en-US" smtClean="0"/>
-              <a:t>5/20/2020</a:t>
+              <a:t>5/22/2020</a:t>
             </a:fld>
             <a:endParaRPr lang="en-US"/>
           </a:p>
@@ -305,7 +305,7 @@
     </p:spTree>
     <p:extLst>
       <p:ext uri="{BB962C8B-B14F-4D97-AF65-F5344CB8AC3E}">
-        <p14:creationId xmlns:p14="http://schemas.microsoft.com/office/powerpoint/2010/main" val="3789885206"/>
+        <p14:creationId xmlns:p14="http://schemas.microsoft.com/office/powerpoint/2010/main" val="1333229139"/>
       </p:ext>
     </p:extLst>
   </p:cSld>
@@ -424,7 +424,7 @@
           <a:p>
             <a:fld id="{42F1B69B-8D3A-44C3-946A-BB0D05283811}" type="datetimeFigureOut">
               <a:rPr lang="en-US" smtClean="0"/>
-              <a:t>5/20/2020</a:t>
+              <a:t>5/22/2020</a:t>
             </a:fld>
             <a:endParaRPr lang="en-US"/>
           </a:p>
@@ -475,7 +475,7 @@
     </p:spTree>
     <p:extLst>
       <p:ext uri="{BB962C8B-B14F-4D97-AF65-F5344CB8AC3E}">
-        <p14:creationId xmlns:p14="http://schemas.microsoft.com/office/powerpoint/2010/main" val="3782080607"/>
+        <p14:creationId xmlns:p14="http://schemas.microsoft.com/office/powerpoint/2010/main" val="2446419716"/>
       </p:ext>
     </p:extLst>
   </p:cSld>
@@ -514,8 +514,8 @@
         </p:nvSpPr>
         <p:spPr>
           <a:xfrm>
-            <a:off x="4907757" y="649111"/>
-            <a:ext cx="1478756" cy="10332156"/>
+            <a:off x="4907757" y="340783"/>
+            <a:ext cx="1478756" cy="5424382"/>
           </a:xfrm>
         </p:spPr>
         <p:txBody>
@@ -542,8 +542,8 @@
         </p:nvSpPr>
         <p:spPr>
           <a:xfrm>
-            <a:off x="471488" y="649111"/>
-            <a:ext cx="4350544" cy="10332156"/>
+            <a:off x="471488" y="340783"/>
+            <a:ext cx="4350544" cy="5424382"/>
           </a:xfrm>
         </p:spPr>
         <p:txBody>
@@ -604,7 +604,7 @@
           <a:p>
             <a:fld id="{42F1B69B-8D3A-44C3-946A-BB0D05283811}" type="datetimeFigureOut">
               <a:rPr lang="en-US" smtClean="0"/>
-              <a:t>5/20/2020</a:t>
+              <a:t>5/22/2020</a:t>
             </a:fld>
             <a:endParaRPr lang="en-US"/>
           </a:p>
@@ -655,7 +655,7 @@
     </p:spTree>
     <p:extLst>
       <p:ext uri="{BB962C8B-B14F-4D97-AF65-F5344CB8AC3E}">
-        <p14:creationId xmlns:p14="http://schemas.microsoft.com/office/powerpoint/2010/main" val="2741871587"/>
+        <p14:creationId xmlns:p14="http://schemas.microsoft.com/office/powerpoint/2010/main" val="2585907355"/>
       </p:ext>
     </p:extLst>
   </p:cSld>
@@ -774,7 +774,7 @@
           <a:p>
             <a:fld id="{42F1B69B-8D3A-44C3-946A-BB0D05283811}" type="datetimeFigureOut">
               <a:rPr lang="en-US" smtClean="0"/>
-              <a:t>5/20/2020</a:t>
+              <a:t>5/22/2020</a:t>
             </a:fld>
             <a:endParaRPr lang="en-US"/>
           </a:p>
@@ -825,7 +825,7 @@
     </p:spTree>
     <p:extLst>
       <p:ext uri="{BB962C8B-B14F-4D97-AF65-F5344CB8AC3E}">
-        <p14:creationId xmlns:p14="http://schemas.microsoft.com/office/powerpoint/2010/main" val="3299688265"/>
+        <p14:creationId xmlns:p14="http://schemas.microsoft.com/office/powerpoint/2010/main" val="410324937"/>
       </p:ext>
     </p:extLst>
   </p:cSld>
@@ -864,8 +864,8 @@
         </p:nvSpPr>
         <p:spPr>
           <a:xfrm>
-            <a:off x="467916" y="3039537"/>
-            <a:ext cx="5915025" cy="5071532"/>
+            <a:off x="467916" y="1595757"/>
+            <a:ext cx="5915025" cy="2662555"/>
           </a:xfrm>
         </p:spPr>
         <p:txBody>
@@ -896,8 +896,8 @@
         </p:nvSpPr>
         <p:spPr>
           <a:xfrm>
-            <a:off x="467916" y="8159048"/>
-            <a:ext cx="5915025" cy="2666999"/>
+            <a:off x="467916" y="4283500"/>
+            <a:ext cx="5915025" cy="1400175"/>
           </a:xfrm>
         </p:spPr>
         <p:txBody>
@@ -1018,7 +1018,7 @@
           <a:p>
             <a:fld id="{42F1B69B-8D3A-44C3-946A-BB0D05283811}" type="datetimeFigureOut">
               <a:rPr lang="en-US" smtClean="0"/>
-              <a:t>5/20/2020</a:t>
+              <a:t>5/22/2020</a:t>
             </a:fld>
             <a:endParaRPr lang="en-US"/>
           </a:p>
@@ -1069,7 +1069,7 @@
     </p:spTree>
     <p:extLst>
       <p:ext uri="{BB962C8B-B14F-4D97-AF65-F5344CB8AC3E}">
-        <p14:creationId xmlns:p14="http://schemas.microsoft.com/office/powerpoint/2010/main" val="4241885451"/>
+        <p14:creationId xmlns:p14="http://schemas.microsoft.com/office/powerpoint/2010/main" val="1233645087"/>
       </p:ext>
     </p:extLst>
   </p:cSld>
@@ -1131,8 +1131,8 @@
         </p:nvSpPr>
         <p:spPr>
           <a:xfrm>
-            <a:off x="471488" y="3245556"/>
-            <a:ext cx="2914650" cy="7735712"/>
+            <a:off x="471488" y="1703917"/>
+            <a:ext cx="2914650" cy="4061249"/>
           </a:xfrm>
         </p:spPr>
         <p:txBody>
@@ -1188,8 +1188,8 @@
         </p:nvSpPr>
         <p:spPr>
           <a:xfrm>
-            <a:off x="3471863" y="3245556"/>
-            <a:ext cx="2914650" cy="7735712"/>
+            <a:off x="3471863" y="1703917"/>
+            <a:ext cx="2914650" cy="4061249"/>
           </a:xfrm>
         </p:spPr>
         <p:txBody>
@@ -1250,7 +1250,7 @@
           <a:p>
             <a:fld id="{42F1B69B-8D3A-44C3-946A-BB0D05283811}" type="datetimeFigureOut">
               <a:rPr lang="en-US" smtClean="0"/>
-              <a:t>5/20/2020</a:t>
+              <a:t>5/22/2020</a:t>
             </a:fld>
             <a:endParaRPr lang="en-US"/>
           </a:p>
@@ -1301,7 +1301,7 @@
     </p:spTree>
     <p:extLst>
       <p:ext uri="{BB962C8B-B14F-4D97-AF65-F5344CB8AC3E}">
-        <p14:creationId xmlns:p14="http://schemas.microsoft.com/office/powerpoint/2010/main" val="1884844827"/>
+        <p14:creationId xmlns:p14="http://schemas.microsoft.com/office/powerpoint/2010/main" val="733659566"/>
       </p:ext>
     </p:extLst>
   </p:cSld>
@@ -1340,8 +1340,8 @@
         </p:nvSpPr>
         <p:spPr>
           <a:xfrm>
-            <a:off x="472381" y="649114"/>
-            <a:ext cx="5915025" cy="2356556"/>
+            <a:off x="472381" y="340785"/>
+            <a:ext cx="5915025" cy="1237192"/>
           </a:xfrm>
         </p:spPr>
         <p:txBody>
@@ -1368,8 +1368,8 @@
         </p:nvSpPr>
         <p:spPr>
           <a:xfrm>
-            <a:off x="472381" y="2988734"/>
-            <a:ext cx="2901255" cy="1464732"/>
+            <a:off x="472381" y="1569085"/>
+            <a:ext cx="2901255" cy="768985"/>
           </a:xfrm>
         </p:spPr>
         <p:txBody>
@@ -1433,8 +1433,8 @@
         </p:nvSpPr>
         <p:spPr>
           <a:xfrm>
-            <a:off x="472381" y="4453467"/>
-            <a:ext cx="2901255" cy="6550379"/>
+            <a:off x="472381" y="2338070"/>
+            <a:ext cx="2901255" cy="3438949"/>
           </a:xfrm>
         </p:spPr>
         <p:txBody>
@@ -1490,8 +1490,8 @@
         </p:nvSpPr>
         <p:spPr>
           <a:xfrm>
-            <a:off x="3471863" y="2988734"/>
-            <a:ext cx="2915543" cy="1464732"/>
+            <a:off x="3471863" y="1569085"/>
+            <a:ext cx="2915543" cy="768985"/>
           </a:xfrm>
         </p:spPr>
         <p:txBody>
@@ -1555,8 +1555,8 @@
         </p:nvSpPr>
         <p:spPr>
           <a:xfrm>
-            <a:off x="3471863" y="4453467"/>
-            <a:ext cx="2915543" cy="6550379"/>
+            <a:off x="3471863" y="2338070"/>
+            <a:ext cx="2915543" cy="3438949"/>
           </a:xfrm>
         </p:spPr>
         <p:txBody>
@@ -1617,7 +1617,7 @@
           <a:p>
             <a:fld id="{42F1B69B-8D3A-44C3-946A-BB0D05283811}" type="datetimeFigureOut">
               <a:rPr lang="en-US" smtClean="0"/>
-              <a:t>5/20/2020</a:t>
+              <a:t>5/22/2020</a:t>
             </a:fld>
             <a:endParaRPr lang="en-US"/>
           </a:p>
@@ -1668,7 +1668,7 @@
     </p:spTree>
     <p:extLst>
       <p:ext uri="{BB962C8B-B14F-4D97-AF65-F5344CB8AC3E}">
-        <p14:creationId xmlns:p14="http://schemas.microsoft.com/office/powerpoint/2010/main" val="2832290449"/>
+        <p14:creationId xmlns:p14="http://schemas.microsoft.com/office/powerpoint/2010/main" val="3824664979"/>
       </p:ext>
     </p:extLst>
   </p:cSld>
@@ -1735,7 +1735,7 @@
           <a:p>
             <a:fld id="{42F1B69B-8D3A-44C3-946A-BB0D05283811}" type="datetimeFigureOut">
               <a:rPr lang="en-US" smtClean="0"/>
-              <a:t>5/20/2020</a:t>
+              <a:t>5/22/2020</a:t>
             </a:fld>
             <a:endParaRPr lang="en-US"/>
           </a:p>
@@ -1786,7 +1786,7 @@
     </p:spTree>
     <p:extLst>
       <p:ext uri="{BB962C8B-B14F-4D97-AF65-F5344CB8AC3E}">
-        <p14:creationId xmlns:p14="http://schemas.microsoft.com/office/powerpoint/2010/main" val="1923513468"/>
+        <p14:creationId xmlns:p14="http://schemas.microsoft.com/office/powerpoint/2010/main" val="1856945992"/>
       </p:ext>
     </p:extLst>
   </p:cSld>
@@ -1830,7 +1830,7 @@
           <a:p>
             <a:fld id="{42F1B69B-8D3A-44C3-946A-BB0D05283811}" type="datetimeFigureOut">
               <a:rPr lang="en-US" smtClean="0"/>
-              <a:t>5/20/2020</a:t>
+              <a:t>5/22/2020</a:t>
             </a:fld>
             <a:endParaRPr lang="en-US"/>
           </a:p>
@@ -1881,7 +1881,7 @@
     </p:spTree>
     <p:extLst>
       <p:ext uri="{BB962C8B-B14F-4D97-AF65-F5344CB8AC3E}">
-        <p14:creationId xmlns:p14="http://schemas.microsoft.com/office/powerpoint/2010/main" val="3119357381"/>
+        <p14:creationId xmlns:p14="http://schemas.microsoft.com/office/powerpoint/2010/main" val="1521209328"/>
       </p:ext>
     </p:extLst>
   </p:cSld>
@@ -1920,8 +1920,8 @@
         </p:nvSpPr>
         <p:spPr>
           <a:xfrm>
-            <a:off x="472381" y="812800"/>
-            <a:ext cx="2211884" cy="2844800"/>
+            <a:off x="472381" y="426720"/>
+            <a:ext cx="2211884" cy="1493520"/>
           </a:xfrm>
         </p:spPr>
         <p:txBody>
@@ -1952,8 +1952,8 @@
         </p:nvSpPr>
         <p:spPr>
           <a:xfrm>
-            <a:off x="2915543" y="1755425"/>
-            <a:ext cx="3471863" cy="8664222"/>
+            <a:off x="2915543" y="921598"/>
+            <a:ext cx="3471863" cy="4548717"/>
           </a:xfrm>
         </p:spPr>
         <p:txBody>
@@ -2037,8 +2037,8 @@
         </p:nvSpPr>
         <p:spPr>
           <a:xfrm>
-            <a:off x="472381" y="3657600"/>
-            <a:ext cx="2211884" cy="6776156"/>
+            <a:off x="472381" y="1920240"/>
+            <a:ext cx="2211884" cy="3557482"/>
           </a:xfrm>
         </p:spPr>
         <p:txBody>
@@ -2107,7 +2107,7 @@
           <a:p>
             <a:fld id="{42F1B69B-8D3A-44C3-946A-BB0D05283811}" type="datetimeFigureOut">
               <a:rPr lang="en-US" smtClean="0"/>
-              <a:t>5/20/2020</a:t>
+              <a:t>5/22/2020</a:t>
             </a:fld>
             <a:endParaRPr lang="en-US"/>
           </a:p>
@@ -2158,7 +2158,7 @@
     </p:spTree>
     <p:extLst>
       <p:ext uri="{BB962C8B-B14F-4D97-AF65-F5344CB8AC3E}">
-        <p14:creationId xmlns:p14="http://schemas.microsoft.com/office/powerpoint/2010/main" val="3766797893"/>
+        <p14:creationId xmlns:p14="http://schemas.microsoft.com/office/powerpoint/2010/main" val="1276889825"/>
       </p:ext>
     </p:extLst>
   </p:cSld>
@@ -2197,8 +2197,8 @@
         </p:nvSpPr>
         <p:spPr>
           <a:xfrm>
-            <a:off x="472381" y="812800"/>
-            <a:ext cx="2211884" cy="2844800"/>
+            <a:off x="472381" y="426720"/>
+            <a:ext cx="2211884" cy="1493520"/>
           </a:xfrm>
         </p:spPr>
         <p:txBody>
@@ -2229,8 +2229,8 @@
         </p:nvSpPr>
         <p:spPr>
           <a:xfrm>
-            <a:off x="2915543" y="1755425"/>
-            <a:ext cx="3471863" cy="8664222"/>
+            <a:off x="2915543" y="921598"/>
+            <a:ext cx="3471863" cy="4548717"/>
           </a:xfrm>
         </p:spPr>
         <p:txBody>
@@ -2294,8 +2294,8 @@
         </p:nvSpPr>
         <p:spPr>
           <a:xfrm>
-            <a:off x="472381" y="3657600"/>
-            <a:ext cx="2211884" cy="6776156"/>
+            <a:off x="472381" y="1920240"/>
+            <a:ext cx="2211884" cy="3557482"/>
           </a:xfrm>
         </p:spPr>
         <p:txBody>
@@ -2364,7 +2364,7 @@
           <a:p>
             <a:fld id="{42F1B69B-8D3A-44C3-946A-BB0D05283811}" type="datetimeFigureOut">
               <a:rPr lang="en-US" smtClean="0"/>
-              <a:t>5/20/2020</a:t>
+              <a:t>5/22/2020</a:t>
             </a:fld>
             <a:endParaRPr lang="en-US"/>
           </a:p>
@@ -2415,7 +2415,7 @@
     </p:spTree>
     <p:extLst>
       <p:ext uri="{BB962C8B-B14F-4D97-AF65-F5344CB8AC3E}">
-        <p14:creationId xmlns:p14="http://schemas.microsoft.com/office/powerpoint/2010/main" val="3153316067"/>
+        <p14:creationId xmlns:p14="http://schemas.microsoft.com/office/powerpoint/2010/main" val="3830930702"/>
       </p:ext>
     </p:extLst>
   </p:cSld>
@@ -2459,8 +2459,8 @@
         </p:nvSpPr>
         <p:spPr>
           <a:xfrm>
-            <a:off x="471488" y="649114"/>
-            <a:ext cx="5915025" cy="2356556"/>
+            <a:off x="471488" y="340785"/>
+            <a:ext cx="5915025" cy="1237192"/>
           </a:xfrm>
           <a:prstGeom prst="rect">
             <a:avLst/>
@@ -2492,8 +2492,8 @@
         </p:nvSpPr>
         <p:spPr>
           <a:xfrm>
-            <a:off x="471488" y="3245556"/>
-            <a:ext cx="5915025" cy="7735712"/>
+            <a:off x="471488" y="1703917"/>
+            <a:ext cx="5915025" cy="4061249"/>
           </a:xfrm>
           <a:prstGeom prst="rect">
             <a:avLst/>
@@ -2554,8 +2554,8 @@
         </p:nvSpPr>
         <p:spPr>
           <a:xfrm>
-            <a:off x="471488" y="11300181"/>
-            <a:ext cx="1543050" cy="649111"/>
+            <a:off x="471488" y="5932595"/>
+            <a:ext cx="1543050" cy="340783"/>
           </a:xfrm>
           <a:prstGeom prst="rect">
             <a:avLst/>
@@ -2577,7 +2577,7 @@
           <a:p>
             <a:fld id="{42F1B69B-8D3A-44C3-946A-BB0D05283811}" type="datetimeFigureOut">
               <a:rPr lang="en-US" smtClean="0"/>
-              <a:t>5/20/2020</a:t>
+              <a:t>5/22/2020</a:t>
             </a:fld>
             <a:endParaRPr lang="en-US"/>
           </a:p>
@@ -2595,8 +2595,8 @@
         </p:nvSpPr>
         <p:spPr>
           <a:xfrm>
-            <a:off x="2271713" y="11300181"/>
-            <a:ext cx="2314575" cy="649111"/>
+            <a:off x="2271713" y="5932595"/>
+            <a:ext cx="2314575" cy="340783"/>
           </a:xfrm>
           <a:prstGeom prst="rect">
             <a:avLst/>
@@ -2632,8 +2632,8 @@
         </p:nvSpPr>
         <p:spPr>
           <a:xfrm>
-            <a:off x="4843463" y="11300181"/>
-            <a:ext cx="1543050" cy="649111"/>
+            <a:off x="4843463" y="5932595"/>
+            <a:ext cx="1543050" cy="340783"/>
           </a:xfrm>
           <a:prstGeom prst="rect">
             <a:avLst/>
@@ -2664,23 +2664,23 @@
     </p:spTree>
     <p:extLst>
       <p:ext uri="{BB962C8B-B14F-4D97-AF65-F5344CB8AC3E}">
-        <p14:creationId xmlns:p14="http://schemas.microsoft.com/office/powerpoint/2010/main" val="2401131428"/>
+        <p14:creationId xmlns:p14="http://schemas.microsoft.com/office/powerpoint/2010/main" val="47716124"/>
       </p:ext>
     </p:extLst>
   </p:cSld>
   <p:clrMap bg1="lt1" tx1="dk1" bg2="lt2" tx2="dk2" accent1="accent1" accent2="accent2" accent3="accent3" accent4="accent4" accent5="accent5" accent6="accent6" hlink="hlink" folHlink="folHlink"/>
   <p:sldLayoutIdLst>
-    <p:sldLayoutId id="2147483661" r:id="rId1"/>
-    <p:sldLayoutId id="2147483662" r:id="rId2"/>
-    <p:sldLayoutId id="2147483663" r:id="rId3"/>
-    <p:sldLayoutId id="2147483664" r:id="rId4"/>
-    <p:sldLayoutId id="2147483665" r:id="rId5"/>
-    <p:sldLayoutId id="2147483666" r:id="rId6"/>
-    <p:sldLayoutId id="2147483667" r:id="rId7"/>
-    <p:sldLayoutId id="2147483668" r:id="rId8"/>
-    <p:sldLayoutId id="2147483669" r:id="rId9"/>
-    <p:sldLayoutId id="2147483670" r:id="rId10"/>
-    <p:sldLayoutId id="2147483671" r:id="rId11"/>
+    <p:sldLayoutId id="2147483685" r:id="rId1"/>
+    <p:sldLayoutId id="2147483686" r:id="rId2"/>
+    <p:sldLayoutId id="2147483687" r:id="rId3"/>
+    <p:sldLayoutId id="2147483688" r:id="rId4"/>
+    <p:sldLayoutId id="2147483689" r:id="rId5"/>
+    <p:sldLayoutId id="2147483690" r:id="rId6"/>
+    <p:sldLayoutId id="2147483691" r:id="rId7"/>
+    <p:sldLayoutId id="2147483692" r:id="rId8"/>
+    <p:sldLayoutId id="2147483693" r:id="rId9"/>
+    <p:sldLayoutId id="2147483694" r:id="rId10"/>
+    <p:sldLayoutId id="2147483695" r:id="rId11"/>
   </p:sldLayoutIdLst>
   <p:txStyles>
     <p:titleStyle>
@@ -2996,7 +2996,7 @@
         </p:nvSpPr>
         <p:spPr>
           <a:xfrm>
-            <a:off x="1628639" y="4221480"/>
+            <a:off x="2254283" y="616016"/>
             <a:ext cx="2368868" cy="474345"/>
           </a:xfrm>
           <a:prstGeom prst="rect">
@@ -3082,7 +3082,7 @@
         </p:nvSpPr>
         <p:spPr>
           <a:xfrm>
-            <a:off x="1628639" y="5010696"/>
+            <a:off x="2254283" y="1405231"/>
             <a:ext cx="2368868" cy="548640"/>
           </a:xfrm>
           <a:prstGeom prst="rect">
@@ -3168,7 +3168,7 @@
         </p:nvSpPr>
         <p:spPr>
           <a:xfrm>
-            <a:off x="1628639" y="5897192"/>
+            <a:off x="2254283" y="2291727"/>
             <a:ext cx="2368868" cy="548640"/>
           </a:xfrm>
           <a:prstGeom prst="rect">
@@ -3254,7 +3254,7 @@
         </p:nvSpPr>
         <p:spPr>
           <a:xfrm>
-            <a:off x="1628639" y="7832084"/>
+            <a:off x="2254283" y="4226621"/>
             <a:ext cx="2368868" cy="559217"/>
           </a:xfrm>
           <a:prstGeom prst="rect">
@@ -3360,7 +3360,7 @@
         </p:nvCxnSpPr>
         <p:spPr>
           <a:xfrm flipH="1">
-            <a:off x="2813073" y="4758690"/>
+            <a:off x="3438717" y="1153225"/>
             <a:ext cx="0" cy="205740"/>
           </a:xfrm>
           <a:prstGeom prst="straightConnector1">
@@ -3406,7 +3406,7 @@
         </p:nvCxnSpPr>
         <p:spPr>
           <a:xfrm flipH="1">
-            <a:off x="2813073" y="5634303"/>
+            <a:off x="3438717" y="2028838"/>
             <a:ext cx="0" cy="205740"/>
           </a:xfrm>
           <a:prstGeom prst="straightConnector1">
@@ -3452,7 +3452,7 @@
         </p:nvCxnSpPr>
         <p:spPr>
           <a:xfrm flipH="1">
-            <a:off x="2813073" y="6517942"/>
+            <a:off x="3438717" y="2912477"/>
             <a:ext cx="0" cy="205740"/>
           </a:xfrm>
           <a:prstGeom prst="straightConnector1">
@@ -3496,7 +3496,7 @@
         </p:nvSpPr>
         <p:spPr>
           <a:xfrm>
-            <a:off x="1628639" y="6783689"/>
+            <a:off x="2254283" y="3178224"/>
             <a:ext cx="2388884" cy="698082"/>
           </a:xfrm>
           <a:prstGeom prst="rect">
@@ -3604,7 +3604,7 @@
         </p:nvCxnSpPr>
         <p:spPr>
           <a:xfrm flipH="1">
-            <a:off x="2813073" y="7549191"/>
+            <a:off x="3438717" y="3943726"/>
             <a:ext cx="0" cy="205740"/>
           </a:xfrm>
           <a:prstGeom prst="straightConnector1">
@@ -3650,7 +3650,7 @@
         </p:nvCxnSpPr>
         <p:spPr>
           <a:xfrm flipH="1">
-            <a:off x="1936120" y="8470079"/>
+            <a:off x="2561764" y="4864614"/>
             <a:ext cx="0" cy="205740"/>
           </a:xfrm>
           <a:prstGeom prst="straightConnector1">
@@ -3694,7 +3694,7 @@
         </p:nvSpPr>
         <p:spPr>
           <a:xfrm>
-            <a:off x="356654" y="8753640"/>
+            <a:off x="982298" y="5148177"/>
             <a:ext cx="2368868" cy="559217"/>
           </a:xfrm>
           <a:prstGeom prst="rect">
@@ -3800,7 +3800,7 @@
         </p:nvSpPr>
         <p:spPr>
           <a:xfrm>
-            <a:off x="2852230" y="8753640"/>
+            <a:off x="3477874" y="5148177"/>
             <a:ext cx="2368868" cy="559217"/>
           </a:xfrm>
           <a:prstGeom prst="rect">
@@ -3908,7 +3908,7 @@
         </p:nvCxnSpPr>
         <p:spPr>
           <a:xfrm flipH="1">
-            <a:off x="3790861" y="8470079"/>
+            <a:off x="4416505" y="4864614"/>
             <a:ext cx="0" cy="205740"/>
           </a:xfrm>
           <a:prstGeom prst="straightConnector1">
